--- a/ppt 16-9/1360.北风兴起南风吹.pptx
+++ b/ppt 16-9/1360.北风兴起南风吹.pptx
@@ -129,7 +129,7 @@
           <p:cNvPr id="2" name="标题 1">
             <a:extLst>
               <a:ext uri="{FF2B5EF4-FFF2-40B4-BE49-F238E27FC236}">
-                <a16:creationId xmlns:a16="http://schemas.microsoft.com/office/drawing/2014/main" id="{B41F7C27-161C-C60B-BC9A-34093F61C85F}"/>
+                <a16:creationId xmlns:a16="http://schemas.microsoft.com/office/drawing/2014/main" id="{BD6F3F89-0517-D2A9-C9A9-036B425FBD1D}"/>
               </a:ext>
             </a:extLst>
           </p:cNvPr>
@@ -166,7 +166,7 @@
           <p:cNvPr id="3" name="副标题 2">
             <a:extLst>
               <a:ext uri="{FF2B5EF4-FFF2-40B4-BE49-F238E27FC236}">
-                <a16:creationId xmlns:a16="http://schemas.microsoft.com/office/drawing/2014/main" id="{37983FA6-0599-2310-4661-70C3E798C2A1}"/>
+                <a16:creationId xmlns:a16="http://schemas.microsoft.com/office/drawing/2014/main" id="{ADD6A34C-0958-EDAC-214C-F79283360D6B}"/>
               </a:ext>
             </a:extLst>
           </p:cNvPr>
@@ -236,7 +236,7 @@
           <p:cNvPr id="4" name="日期占位符 3">
             <a:extLst>
               <a:ext uri="{FF2B5EF4-FFF2-40B4-BE49-F238E27FC236}">
-                <a16:creationId xmlns:a16="http://schemas.microsoft.com/office/drawing/2014/main" id="{6829380D-993D-3DF2-BF82-A9757374E8B3}"/>
+                <a16:creationId xmlns:a16="http://schemas.microsoft.com/office/drawing/2014/main" id="{CA1392A6-0174-DE0B-A593-B9381F4ED011}"/>
               </a:ext>
             </a:extLst>
           </p:cNvPr>
@@ -252,7 +252,7 @@
           <a:bodyPr/>
           <a:lstStyle/>
           <a:p>
-            <a:fld id="{88552D5C-74DE-4D7B-81ED-C8BD6E2B7D79}" type="datetimeFigureOut">
+            <a:fld id="{38590781-1956-4C59-B54E-813887042B79}" type="datetimeFigureOut">
               <a:rPr lang="zh-CN" altLang="en-US" smtClean="0"/>
               <a:t>2024/3/10</a:t>
             </a:fld>
@@ -265,7 +265,7 @@
           <p:cNvPr id="5" name="页脚占位符 4">
             <a:extLst>
               <a:ext uri="{FF2B5EF4-FFF2-40B4-BE49-F238E27FC236}">
-                <a16:creationId xmlns:a16="http://schemas.microsoft.com/office/drawing/2014/main" id="{0ED5A218-EC9B-FDD4-BD5E-0B63293D90E5}"/>
+                <a16:creationId xmlns:a16="http://schemas.microsoft.com/office/drawing/2014/main" id="{A003EF2D-5CE0-A262-AE8B-D4BEE7F96F96}"/>
               </a:ext>
             </a:extLst>
           </p:cNvPr>
@@ -290,7 +290,7 @@
           <p:cNvPr id="6" name="灯片编号占位符 5">
             <a:extLst>
               <a:ext uri="{FF2B5EF4-FFF2-40B4-BE49-F238E27FC236}">
-                <a16:creationId xmlns:a16="http://schemas.microsoft.com/office/drawing/2014/main" id="{0134E6B7-EC32-3120-7596-A731662B6520}"/>
+                <a16:creationId xmlns:a16="http://schemas.microsoft.com/office/drawing/2014/main" id="{C429093C-FF53-5D4B-8077-203D50C2EA36}"/>
               </a:ext>
             </a:extLst>
           </p:cNvPr>
@@ -306,7 +306,7 @@
           <a:bodyPr/>
           <a:lstStyle/>
           <a:p>
-            <a:fld id="{BC69AE8E-7DE5-4B2F-A10D-2EE032A0BE3E}" type="slidenum">
+            <a:fld id="{8EDCFAA8-FA09-40D5-B6BA-FF1167180AFC}" type="slidenum">
               <a:rPr lang="zh-CN" altLang="en-US" smtClean="0"/>
               <a:t>‹#›</a:t>
             </a:fld>
@@ -317,7 +317,7 @@
     </p:spTree>
     <p:extLst>
       <p:ext uri="{BB962C8B-B14F-4D97-AF65-F5344CB8AC3E}">
-        <p14:creationId xmlns:p14="http://schemas.microsoft.com/office/powerpoint/2010/main" val="2804925896"/>
+        <p14:creationId xmlns:p14="http://schemas.microsoft.com/office/powerpoint/2010/main" val="2747934775"/>
       </p:ext>
     </p:extLst>
   </p:cSld>
@@ -349,7 +349,7 @@
           <p:cNvPr id="2" name="标题 1">
             <a:extLst>
               <a:ext uri="{FF2B5EF4-FFF2-40B4-BE49-F238E27FC236}">
-                <a16:creationId xmlns:a16="http://schemas.microsoft.com/office/drawing/2014/main" id="{6DFF0175-D8A0-00BF-2893-95320D8A4AA2}"/>
+                <a16:creationId xmlns:a16="http://schemas.microsoft.com/office/drawing/2014/main" id="{AE4BAFAD-E5EE-6FDA-798F-529CE5ED34F1}"/>
               </a:ext>
             </a:extLst>
           </p:cNvPr>
@@ -377,7 +377,7 @@
           <p:cNvPr id="3" name="竖排文字占位符 2">
             <a:extLst>
               <a:ext uri="{FF2B5EF4-FFF2-40B4-BE49-F238E27FC236}">
-                <a16:creationId xmlns:a16="http://schemas.microsoft.com/office/drawing/2014/main" id="{D1447888-C77E-2508-D910-DA37D4198C28}"/>
+                <a16:creationId xmlns:a16="http://schemas.microsoft.com/office/drawing/2014/main" id="{8FF3B5F5-2C9B-1045-B021-22A4E9322E1C}"/>
               </a:ext>
             </a:extLst>
           </p:cNvPr>
@@ -434,7 +434,7 @@
           <p:cNvPr id="4" name="日期占位符 3">
             <a:extLst>
               <a:ext uri="{FF2B5EF4-FFF2-40B4-BE49-F238E27FC236}">
-                <a16:creationId xmlns:a16="http://schemas.microsoft.com/office/drawing/2014/main" id="{2AE7908A-AAF8-A8BB-835B-7AFD12DDFF7A}"/>
+                <a16:creationId xmlns:a16="http://schemas.microsoft.com/office/drawing/2014/main" id="{EA038C3E-2FD4-7319-78C5-8584FDD66ABF}"/>
               </a:ext>
             </a:extLst>
           </p:cNvPr>
@@ -450,7 +450,7 @@
           <a:bodyPr/>
           <a:lstStyle/>
           <a:p>
-            <a:fld id="{88552D5C-74DE-4D7B-81ED-C8BD6E2B7D79}" type="datetimeFigureOut">
+            <a:fld id="{38590781-1956-4C59-B54E-813887042B79}" type="datetimeFigureOut">
               <a:rPr lang="zh-CN" altLang="en-US" smtClean="0"/>
               <a:t>2024/3/10</a:t>
             </a:fld>
@@ -463,7 +463,7 @@
           <p:cNvPr id="5" name="页脚占位符 4">
             <a:extLst>
               <a:ext uri="{FF2B5EF4-FFF2-40B4-BE49-F238E27FC236}">
-                <a16:creationId xmlns:a16="http://schemas.microsoft.com/office/drawing/2014/main" id="{795492DF-7357-9659-1BBD-C28CC46C3C64}"/>
+                <a16:creationId xmlns:a16="http://schemas.microsoft.com/office/drawing/2014/main" id="{BDFF99D0-0FD9-ED74-B19B-E9B62DE40A0F}"/>
               </a:ext>
             </a:extLst>
           </p:cNvPr>
@@ -488,7 +488,7 @@
           <p:cNvPr id="6" name="灯片编号占位符 5">
             <a:extLst>
               <a:ext uri="{FF2B5EF4-FFF2-40B4-BE49-F238E27FC236}">
-                <a16:creationId xmlns:a16="http://schemas.microsoft.com/office/drawing/2014/main" id="{B5FC0334-EBDC-6620-267E-CDB8148E66F5}"/>
+                <a16:creationId xmlns:a16="http://schemas.microsoft.com/office/drawing/2014/main" id="{754DAA07-BE81-ACD8-0644-E86A4CBA8FF3}"/>
               </a:ext>
             </a:extLst>
           </p:cNvPr>
@@ -504,7 +504,7 @@
           <a:bodyPr/>
           <a:lstStyle/>
           <a:p>
-            <a:fld id="{BC69AE8E-7DE5-4B2F-A10D-2EE032A0BE3E}" type="slidenum">
+            <a:fld id="{8EDCFAA8-FA09-40D5-B6BA-FF1167180AFC}" type="slidenum">
               <a:rPr lang="zh-CN" altLang="en-US" smtClean="0"/>
               <a:t>‹#›</a:t>
             </a:fld>
@@ -515,7 +515,7 @@
     </p:spTree>
     <p:extLst>
       <p:ext uri="{BB962C8B-B14F-4D97-AF65-F5344CB8AC3E}">
-        <p14:creationId xmlns:p14="http://schemas.microsoft.com/office/powerpoint/2010/main" val="2687217783"/>
+        <p14:creationId xmlns:p14="http://schemas.microsoft.com/office/powerpoint/2010/main" val="3337843334"/>
       </p:ext>
     </p:extLst>
   </p:cSld>
@@ -547,7 +547,7 @@
           <p:cNvPr id="2" name="竖排标题 1">
             <a:extLst>
               <a:ext uri="{FF2B5EF4-FFF2-40B4-BE49-F238E27FC236}">
-                <a16:creationId xmlns:a16="http://schemas.microsoft.com/office/drawing/2014/main" id="{F56290AA-DB90-12CB-4E17-10DCAF0DB97D}"/>
+                <a16:creationId xmlns:a16="http://schemas.microsoft.com/office/drawing/2014/main" id="{03B9701A-AFA4-8B57-B8F4-7F0DEF80A358}"/>
               </a:ext>
             </a:extLst>
           </p:cNvPr>
@@ -580,7 +580,7 @@
           <p:cNvPr id="3" name="竖排文字占位符 2">
             <a:extLst>
               <a:ext uri="{FF2B5EF4-FFF2-40B4-BE49-F238E27FC236}">
-                <a16:creationId xmlns:a16="http://schemas.microsoft.com/office/drawing/2014/main" id="{0578E588-BE43-4B95-A150-F9EA9E0097E1}"/>
+                <a16:creationId xmlns:a16="http://schemas.microsoft.com/office/drawing/2014/main" id="{94E3AE32-679B-11D3-C7A5-0B2E27C12884}"/>
               </a:ext>
             </a:extLst>
           </p:cNvPr>
@@ -642,7 +642,7 @@
           <p:cNvPr id="4" name="日期占位符 3">
             <a:extLst>
               <a:ext uri="{FF2B5EF4-FFF2-40B4-BE49-F238E27FC236}">
-                <a16:creationId xmlns:a16="http://schemas.microsoft.com/office/drawing/2014/main" id="{6C0292DA-4813-B548-81CD-6AAE882FF4D8}"/>
+                <a16:creationId xmlns:a16="http://schemas.microsoft.com/office/drawing/2014/main" id="{55EC009D-EA93-8A2A-4A74-0FFBA3C4424D}"/>
               </a:ext>
             </a:extLst>
           </p:cNvPr>
@@ -658,7 +658,7 @@
           <a:bodyPr/>
           <a:lstStyle/>
           <a:p>
-            <a:fld id="{88552D5C-74DE-4D7B-81ED-C8BD6E2B7D79}" type="datetimeFigureOut">
+            <a:fld id="{38590781-1956-4C59-B54E-813887042B79}" type="datetimeFigureOut">
               <a:rPr lang="zh-CN" altLang="en-US" smtClean="0"/>
               <a:t>2024/3/10</a:t>
             </a:fld>
@@ -671,7 +671,7 @@
           <p:cNvPr id="5" name="页脚占位符 4">
             <a:extLst>
               <a:ext uri="{FF2B5EF4-FFF2-40B4-BE49-F238E27FC236}">
-                <a16:creationId xmlns:a16="http://schemas.microsoft.com/office/drawing/2014/main" id="{2C334221-09A1-06F1-8EE2-D8B17FBBC5E5}"/>
+                <a16:creationId xmlns:a16="http://schemas.microsoft.com/office/drawing/2014/main" id="{E8706C18-7FA8-5227-64FC-39DA47C0C609}"/>
               </a:ext>
             </a:extLst>
           </p:cNvPr>
@@ -696,7 +696,7 @@
           <p:cNvPr id="6" name="灯片编号占位符 5">
             <a:extLst>
               <a:ext uri="{FF2B5EF4-FFF2-40B4-BE49-F238E27FC236}">
-                <a16:creationId xmlns:a16="http://schemas.microsoft.com/office/drawing/2014/main" id="{10944053-6E4B-C0C5-1972-26C571F90D8A}"/>
+                <a16:creationId xmlns:a16="http://schemas.microsoft.com/office/drawing/2014/main" id="{A6FB4824-9846-8E0C-3D30-C50C65B708ED}"/>
               </a:ext>
             </a:extLst>
           </p:cNvPr>
@@ -712,7 +712,7 @@
           <a:bodyPr/>
           <a:lstStyle/>
           <a:p>
-            <a:fld id="{BC69AE8E-7DE5-4B2F-A10D-2EE032A0BE3E}" type="slidenum">
+            <a:fld id="{8EDCFAA8-FA09-40D5-B6BA-FF1167180AFC}" type="slidenum">
               <a:rPr lang="zh-CN" altLang="en-US" smtClean="0"/>
               <a:t>‹#›</a:t>
             </a:fld>
@@ -723,7 +723,7 @@
     </p:spTree>
     <p:extLst>
       <p:ext uri="{BB962C8B-B14F-4D97-AF65-F5344CB8AC3E}">
-        <p14:creationId xmlns:p14="http://schemas.microsoft.com/office/powerpoint/2010/main" val="1103317594"/>
+        <p14:creationId xmlns:p14="http://schemas.microsoft.com/office/powerpoint/2010/main" val="1877677365"/>
       </p:ext>
     </p:extLst>
   </p:cSld>
@@ -755,7 +755,7 @@
           <p:cNvPr id="2" name="标题 1">
             <a:extLst>
               <a:ext uri="{FF2B5EF4-FFF2-40B4-BE49-F238E27FC236}">
-                <a16:creationId xmlns:a16="http://schemas.microsoft.com/office/drawing/2014/main" id="{3BD59826-10A8-B709-1832-18DB63A33CB0}"/>
+                <a16:creationId xmlns:a16="http://schemas.microsoft.com/office/drawing/2014/main" id="{109EC9AB-B468-1402-93F7-A7D7131E20C9}"/>
               </a:ext>
             </a:extLst>
           </p:cNvPr>
@@ -783,7 +783,7 @@
           <p:cNvPr id="3" name="内容占位符 2">
             <a:extLst>
               <a:ext uri="{FF2B5EF4-FFF2-40B4-BE49-F238E27FC236}">
-                <a16:creationId xmlns:a16="http://schemas.microsoft.com/office/drawing/2014/main" id="{7D95EF7E-31D9-A29C-F7A7-3C538B5C1D15}"/>
+                <a16:creationId xmlns:a16="http://schemas.microsoft.com/office/drawing/2014/main" id="{470529F2-5B0D-12C1-072B-425045E4D44E}"/>
               </a:ext>
             </a:extLst>
           </p:cNvPr>
@@ -840,7 +840,7 @@
           <p:cNvPr id="4" name="日期占位符 3">
             <a:extLst>
               <a:ext uri="{FF2B5EF4-FFF2-40B4-BE49-F238E27FC236}">
-                <a16:creationId xmlns:a16="http://schemas.microsoft.com/office/drawing/2014/main" id="{78A48877-88B2-101A-5C5D-27B35FEBF601}"/>
+                <a16:creationId xmlns:a16="http://schemas.microsoft.com/office/drawing/2014/main" id="{8A1498C4-6FB7-659E-B85F-303B01AE932C}"/>
               </a:ext>
             </a:extLst>
           </p:cNvPr>
@@ -856,7 +856,7 @@
           <a:bodyPr/>
           <a:lstStyle/>
           <a:p>
-            <a:fld id="{88552D5C-74DE-4D7B-81ED-C8BD6E2B7D79}" type="datetimeFigureOut">
+            <a:fld id="{38590781-1956-4C59-B54E-813887042B79}" type="datetimeFigureOut">
               <a:rPr lang="zh-CN" altLang="en-US" smtClean="0"/>
               <a:t>2024/3/10</a:t>
             </a:fld>
@@ -869,7 +869,7 @@
           <p:cNvPr id="5" name="页脚占位符 4">
             <a:extLst>
               <a:ext uri="{FF2B5EF4-FFF2-40B4-BE49-F238E27FC236}">
-                <a16:creationId xmlns:a16="http://schemas.microsoft.com/office/drawing/2014/main" id="{D010FF78-F97D-6978-4926-800E42246F91}"/>
+                <a16:creationId xmlns:a16="http://schemas.microsoft.com/office/drawing/2014/main" id="{CAC87012-CC89-AC8A-01D5-E0FAE66C371B}"/>
               </a:ext>
             </a:extLst>
           </p:cNvPr>
@@ -894,7 +894,7 @@
           <p:cNvPr id="6" name="灯片编号占位符 5">
             <a:extLst>
               <a:ext uri="{FF2B5EF4-FFF2-40B4-BE49-F238E27FC236}">
-                <a16:creationId xmlns:a16="http://schemas.microsoft.com/office/drawing/2014/main" id="{2EBE3E2D-4945-8E9C-6950-02F9466D4FF3}"/>
+                <a16:creationId xmlns:a16="http://schemas.microsoft.com/office/drawing/2014/main" id="{98A478C9-3918-F674-79D1-04CAA6211990}"/>
               </a:ext>
             </a:extLst>
           </p:cNvPr>
@@ -910,7 +910,7 @@
           <a:bodyPr/>
           <a:lstStyle/>
           <a:p>
-            <a:fld id="{BC69AE8E-7DE5-4B2F-A10D-2EE032A0BE3E}" type="slidenum">
+            <a:fld id="{8EDCFAA8-FA09-40D5-B6BA-FF1167180AFC}" type="slidenum">
               <a:rPr lang="zh-CN" altLang="en-US" smtClean="0"/>
               <a:t>‹#›</a:t>
             </a:fld>
@@ -921,7 +921,7 @@
     </p:spTree>
     <p:extLst>
       <p:ext uri="{BB962C8B-B14F-4D97-AF65-F5344CB8AC3E}">
-        <p14:creationId xmlns:p14="http://schemas.microsoft.com/office/powerpoint/2010/main" val="1149215837"/>
+        <p14:creationId xmlns:p14="http://schemas.microsoft.com/office/powerpoint/2010/main" val="2544333587"/>
       </p:ext>
     </p:extLst>
   </p:cSld>
@@ -953,7 +953,7 @@
           <p:cNvPr id="2" name="标题 1">
             <a:extLst>
               <a:ext uri="{FF2B5EF4-FFF2-40B4-BE49-F238E27FC236}">
-                <a16:creationId xmlns:a16="http://schemas.microsoft.com/office/drawing/2014/main" id="{4F7FD37B-AA84-369E-C7B3-F48B43346ADF}"/>
+                <a16:creationId xmlns:a16="http://schemas.microsoft.com/office/drawing/2014/main" id="{40822096-FB09-88A0-E943-0911B5726AA8}"/>
               </a:ext>
             </a:extLst>
           </p:cNvPr>
@@ -990,7 +990,7 @@
           <p:cNvPr id="3" name="文本占位符 2">
             <a:extLst>
               <a:ext uri="{FF2B5EF4-FFF2-40B4-BE49-F238E27FC236}">
-                <a16:creationId xmlns:a16="http://schemas.microsoft.com/office/drawing/2014/main" id="{5B12117C-CD82-A749-D2A3-6F3E4994CABA}"/>
+                <a16:creationId xmlns:a16="http://schemas.microsoft.com/office/drawing/2014/main" id="{E96E2407-1745-C6C6-C3C3-9C7E9C6FDBBB}"/>
               </a:ext>
             </a:extLst>
           </p:cNvPr>
@@ -1115,7 +1115,7 @@
           <p:cNvPr id="4" name="日期占位符 3">
             <a:extLst>
               <a:ext uri="{FF2B5EF4-FFF2-40B4-BE49-F238E27FC236}">
-                <a16:creationId xmlns:a16="http://schemas.microsoft.com/office/drawing/2014/main" id="{B3022418-2D2C-759E-78ED-C9244CE1ACB0}"/>
+                <a16:creationId xmlns:a16="http://schemas.microsoft.com/office/drawing/2014/main" id="{1B1A3D5C-B279-4DB9-3AA7-CFA90A9FADA7}"/>
               </a:ext>
             </a:extLst>
           </p:cNvPr>
@@ -1131,7 +1131,7 @@
           <a:bodyPr/>
           <a:lstStyle/>
           <a:p>
-            <a:fld id="{88552D5C-74DE-4D7B-81ED-C8BD6E2B7D79}" type="datetimeFigureOut">
+            <a:fld id="{38590781-1956-4C59-B54E-813887042B79}" type="datetimeFigureOut">
               <a:rPr lang="zh-CN" altLang="en-US" smtClean="0"/>
               <a:t>2024/3/10</a:t>
             </a:fld>
@@ -1144,7 +1144,7 @@
           <p:cNvPr id="5" name="页脚占位符 4">
             <a:extLst>
               <a:ext uri="{FF2B5EF4-FFF2-40B4-BE49-F238E27FC236}">
-                <a16:creationId xmlns:a16="http://schemas.microsoft.com/office/drawing/2014/main" id="{AB13E6C7-2CEC-AAD0-6090-43FA65F7C454}"/>
+                <a16:creationId xmlns:a16="http://schemas.microsoft.com/office/drawing/2014/main" id="{0BC02EDD-6932-DAE9-9E61-0FD603629937}"/>
               </a:ext>
             </a:extLst>
           </p:cNvPr>
@@ -1169,7 +1169,7 @@
           <p:cNvPr id="6" name="灯片编号占位符 5">
             <a:extLst>
               <a:ext uri="{FF2B5EF4-FFF2-40B4-BE49-F238E27FC236}">
-                <a16:creationId xmlns:a16="http://schemas.microsoft.com/office/drawing/2014/main" id="{AF34AE62-314D-3967-C405-B2A17BDA385B}"/>
+                <a16:creationId xmlns:a16="http://schemas.microsoft.com/office/drawing/2014/main" id="{3F42FBC6-3CC5-8D90-38F3-731FE37833FB}"/>
               </a:ext>
             </a:extLst>
           </p:cNvPr>
@@ -1185,7 +1185,7 @@
           <a:bodyPr/>
           <a:lstStyle/>
           <a:p>
-            <a:fld id="{BC69AE8E-7DE5-4B2F-A10D-2EE032A0BE3E}" type="slidenum">
+            <a:fld id="{8EDCFAA8-FA09-40D5-B6BA-FF1167180AFC}" type="slidenum">
               <a:rPr lang="zh-CN" altLang="en-US" smtClean="0"/>
               <a:t>‹#›</a:t>
             </a:fld>
@@ -1196,7 +1196,7 @@
     </p:spTree>
     <p:extLst>
       <p:ext uri="{BB962C8B-B14F-4D97-AF65-F5344CB8AC3E}">
-        <p14:creationId xmlns:p14="http://schemas.microsoft.com/office/powerpoint/2010/main" val="2757321854"/>
+        <p14:creationId xmlns:p14="http://schemas.microsoft.com/office/powerpoint/2010/main" val="352582787"/>
       </p:ext>
     </p:extLst>
   </p:cSld>
@@ -1228,7 +1228,7 @@
           <p:cNvPr id="2" name="标题 1">
             <a:extLst>
               <a:ext uri="{FF2B5EF4-FFF2-40B4-BE49-F238E27FC236}">
-                <a16:creationId xmlns:a16="http://schemas.microsoft.com/office/drawing/2014/main" id="{A5CD7657-44B0-910C-7D41-025284886306}"/>
+                <a16:creationId xmlns:a16="http://schemas.microsoft.com/office/drawing/2014/main" id="{DF158CFB-9592-CA9B-A152-EDA1CECD3125}"/>
               </a:ext>
             </a:extLst>
           </p:cNvPr>
@@ -1256,7 +1256,7 @@
           <p:cNvPr id="3" name="内容占位符 2">
             <a:extLst>
               <a:ext uri="{FF2B5EF4-FFF2-40B4-BE49-F238E27FC236}">
-                <a16:creationId xmlns:a16="http://schemas.microsoft.com/office/drawing/2014/main" id="{7CC54775-537D-1A0D-D6DB-1284094959C0}"/>
+                <a16:creationId xmlns:a16="http://schemas.microsoft.com/office/drawing/2014/main" id="{BFBEF240-51CC-BEF0-F853-F4EF4572A51A}"/>
               </a:ext>
             </a:extLst>
           </p:cNvPr>
@@ -1318,7 +1318,7 @@
           <p:cNvPr id="4" name="内容占位符 3">
             <a:extLst>
               <a:ext uri="{FF2B5EF4-FFF2-40B4-BE49-F238E27FC236}">
-                <a16:creationId xmlns:a16="http://schemas.microsoft.com/office/drawing/2014/main" id="{67B3F250-4E46-8659-3BB4-7B2E2A11434A}"/>
+                <a16:creationId xmlns:a16="http://schemas.microsoft.com/office/drawing/2014/main" id="{77D36E50-C579-E92F-B29A-D1D0768693A9}"/>
               </a:ext>
             </a:extLst>
           </p:cNvPr>
@@ -1380,7 +1380,7 @@
           <p:cNvPr id="5" name="日期占位符 4">
             <a:extLst>
               <a:ext uri="{FF2B5EF4-FFF2-40B4-BE49-F238E27FC236}">
-                <a16:creationId xmlns:a16="http://schemas.microsoft.com/office/drawing/2014/main" id="{200BF6B1-5E46-FB06-2BC0-237165831398}"/>
+                <a16:creationId xmlns:a16="http://schemas.microsoft.com/office/drawing/2014/main" id="{8F11576C-76C7-5FCF-93BB-1F1AFCF9D1B3}"/>
               </a:ext>
             </a:extLst>
           </p:cNvPr>
@@ -1396,7 +1396,7 @@
           <a:bodyPr/>
           <a:lstStyle/>
           <a:p>
-            <a:fld id="{88552D5C-74DE-4D7B-81ED-C8BD6E2B7D79}" type="datetimeFigureOut">
+            <a:fld id="{38590781-1956-4C59-B54E-813887042B79}" type="datetimeFigureOut">
               <a:rPr lang="zh-CN" altLang="en-US" smtClean="0"/>
               <a:t>2024/3/10</a:t>
             </a:fld>
@@ -1409,7 +1409,7 @@
           <p:cNvPr id="6" name="页脚占位符 5">
             <a:extLst>
               <a:ext uri="{FF2B5EF4-FFF2-40B4-BE49-F238E27FC236}">
-                <a16:creationId xmlns:a16="http://schemas.microsoft.com/office/drawing/2014/main" id="{3899CB36-DA48-E29B-B768-B73840C1BD77}"/>
+                <a16:creationId xmlns:a16="http://schemas.microsoft.com/office/drawing/2014/main" id="{29DB1796-31B7-D543-0FB6-2030566715D8}"/>
               </a:ext>
             </a:extLst>
           </p:cNvPr>
@@ -1434,7 +1434,7 @@
           <p:cNvPr id="7" name="灯片编号占位符 6">
             <a:extLst>
               <a:ext uri="{FF2B5EF4-FFF2-40B4-BE49-F238E27FC236}">
-                <a16:creationId xmlns:a16="http://schemas.microsoft.com/office/drawing/2014/main" id="{9077E050-6E56-AF71-C512-E052E5903CF0}"/>
+                <a16:creationId xmlns:a16="http://schemas.microsoft.com/office/drawing/2014/main" id="{FFA8F8C1-5E4E-C1D4-75E0-726164D670AD}"/>
               </a:ext>
             </a:extLst>
           </p:cNvPr>
@@ -1450,7 +1450,7 @@
           <a:bodyPr/>
           <a:lstStyle/>
           <a:p>
-            <a:fld id="{BC69AE8E-7DE5-4B2F-A10D-2EE032A0BE3E}" type="slidenum">
+            <a:fld id="{8EDCFAA8-FA09-40D5-B6BA-FF1167180AFC}" type="slidenum">
               <a:rPr lang="zh-CN" altLang="en-US" smtClean="0"/>
               <a:t>‹#›</a:t>
             </a:fld>
@@ -1461,7 +1461,7 @@
     </p:spTree>
     <p:extLst>
       <p:ext uri="{BB962C8B-B14F-4D97-AF65-F5344CB8AC3E}">
-        <p14:creationId xmlns:p14="http://schemas.microsoft.com/office/powerpoint/2010/main" val="3074813243"/>
+        <p14:creationId xmlns:p14="http://schemas.microsoft.com/office/powerpoint/2010/main" val="2745484730"/>
       </p:ext>
     </p:extLst>
   </p:cSld>
@@ -1493,7 +1493,7 @@
           <p:cNvPr id="2" name="标题 1">
             <a:extLst>
               <a:ext uri="{FF2B5EF4-FFF2-40B4-BE49-F238E27FC236}">
-                <a16:creationId xmlns:a16="http://schemas.microsoft.com/office/drawing/2014/main" id="{BEC334B1-8C17-07FB-EA83-DE8499EDEA64}"/>
+                <a16:creationId xmlns:a16="http://schemas.microsoft.com/office/drawing/2014/main" id="{EFCE4CDC-11C4-D4AF-57EE-0B5E2A07C0AE}"/>
               </a:ext>
             </a:extLst>
           </p:cNvPr>
@@ -1526,7 +1526,7 @@
           <p:cNvPr id="3" name="文本占位符 2">
             <a:extLst>
               <a:ext uri="{FF2B5EF4-FFF2-40B4-BE49-F238E27FC236}">
-                <a16:creationId xmlns:a16="http://schemas.microsoft.com/office/drawing/2014/main" id="{051899B9-633B-17DD-1747-9BBC3328E7F1}"/>
+                <a16:creationId xmlns:a16="http://schemas.microsoft.com/office/drawing/2014/main" id="{AF0A84E6-0FBA-EAE7-65C1-62156C971CBA}"/>
               </a:ext>
             </a:extLst>
           </p:cNvPr>
@@ -1597,7 +1597,7 @@
           <p:cNvPr id="4" name="内容占位符 3">
             <a:extLst>
               <a:ext uri="{FF2B5EF4-FFF2-40B4-BE49-F238E27FC236}">
-                <a16:creationId xmlns:a16="http://schemas.microsoft.com/office/drawing/2014/main" id="{08199DAF-EC91-59E4-D4DA-EFDD10208543}"/>
+                <a16:creationId xmlns:a16="http://schemas.microsoft.com/office/drawing/2014/main" id="{9C504E61-5962-1317-9CE9-913F9348D0A9}"/>
               </a:ext>
             </a:extLst>
           </p:cNvPr>
@@ -1659,7 +1659,7 @@
           <p:cNvPr id="5" name="文本占位符 4">
             <a:extLst>
               <a:ext uri="{FF2B5EF4-FFF2-40B4-BE49-F238E27FC236}">
-                <a16:creationId xmlns:a16="http://schemas.microsoft.com/office/drawing/2014/main" id="{94AD33BF-4039-F0F3-447A-CAF32F66E873}"/>
+                <a16:creationId xmlns:a16="http://schemas.microsoft.com/office/drawing/2014/main" id="{FCBDA872-2180-813B-58DA-7B6210DF49FC}"/>
               </a:ext>
             </a:extLst>
           </p:cNvPr>
@@ -1730,7 +1730,7 @@
           <p:cNvPr id="6" name="内容占位符 5">
             <a:extLst>
               <a:ext uri="{FF2B5EF4-FFF2-40B4-BE49-F238E27FC236}">
-                <a16:creationId xmlns:a16="http://schemas.microsoft.com/office/drawing/2014/main" id="{3DF4B21C-4A60-CF8A-60C4-F52053115284}"/>
+                <a16:creationId xmlns:a16="http://schemas.microsoft.com/office/drawing/2014/main" id="{BA08FE19-DC4C-199D-47AD-7A0CAE6E7D50}"/>
               </a:ext>
             </a:extLst>
           </p:cNvPr>
@@ -1792,7 +1792,7 @@
           <p:cNvPr id="7" name="日期占位符 6">
             <a:extLst>
               <a:ext uri="{FF2B5EF4-FFF2-40B4-BE49-F238E27FC236}">
-                <a16:creationId xmlns:a16="http://schemas.microsoft.com/office/drawing/2014/main" id="{A6CC2AF6-9114-6AEC-EF2D-7349D64BFCAC}"/>
+                <a16:creationId xmlns:a16="http://schemas.microsoft.com/office/drawing/2014/main" id="{979BFCD7-E703-D172-5DBD-3FF620F16CEE}"/>
               </a:ext>
             </a:extLst>
           </p:cNvPr>
@@ -1808,7 +1808,7 @@
           <a:bodyPr/>
           <a:lstStyle/>
           <a:p>
-            <a:fld id="{88552D5C-74DE-4D7B-81ED-C8BD6E2B7D79}" type="datetimeFigureOut">
+            <a:fld id="{38590781-1956-4C59-B54E-813887042B79}" type="datetimeFigureOut">
               <a:rPr lang="zh-CN" altLang="en-US" smtClean="0"/>
               <a:t>2024/3/10</a:t>
             </a:fld>
@@ -1821,7 +1821,7 @@
           <p:cNvPr id="8" name="页脚占位符 7">
             <a:extLst>
               <a:ext uri="{FF2B5EF4-FFF2-40B4-BE49-F238E27FC236}">
-                <a16:creationId xmlns:a16="http://schemas.microsoft.com/office/drawing/2014/main" id="{E00816FA-1312-2287-6612-9CF3B765F8D6}"/>
+                <a16:creationId xmlns:a16="http://schemas.microsoft.com/office/drawing/2014/main" id="{1CF018D1-7F81-4DC0-CCDE-9D67900A30B5}"/>
               </a:ext>
             </a:extLst>
           </p:cNvPr>
@@ -1846,7 +1846,7 @@
           <p:cNvPr id="9" name="灯片编号占位符 8">
             <a:extLst>
               <a:ext uri="{FF2B5EF4-FFF2-40B4-BE49-F238E27FC236}">
-                <a16:creationId xmlns:a16="http://schemas.microsoft.com/office/drawing/2014/main" id="{C97AEEEF-52EE-542C-5082-126478770633}"/>
+                <a16:creationId xmlns:a16="http://schemas.microsoft.com/office/drawing/2014/main" id="{CCE12086-0490-7EE4-D383-AD7CD464CAF0}"/>
               </a:ext>
             </a:extLst>
           </p:cNvPr>
@@ -1862,7 +1862,7 @@
           <a:bodyPr/>
           <a:lstStyle/>
           <a:p>
-            <a:fld id="{BC69AE8E-7DE5-4B2F-A10D-2EE032A0BE3E}" type="slidenum">
+            <a:fld id="{8EDCFAA8-FA09-40D5-B6BA-FF1167180AFC}" type="slidenum">
               <a:rPr lang="zh-CN" altLang="en-US" smtClean="0"/>
               <a:t>‹#›</a:t>
             </a:fld>
@@ -1873,7 +1873,7 @@
     </p:spTree>
     <p:extLst>
       <p:ext uri="{BB962C8B-B14F-4D97-AF65-F5344CB8AC3E}">
-        <p14:creationId xmlns:p14="http://schemas.microsoft.com/office/powerpoint/2010/main" val="2659994638"/>
+        <p14:creationId xmlns:p14="http://schemas.microsoft.com/office/powerpoint/2010/main" val="3511196684"/>
       </p:ext>
     </p:extLst>
   </p:cSld>
@@ -1905,7 +1905,7 @@
           <p:cNvPr id="2" name="标题 1">
             <a:extLst>
               <a:ext uri="{FF2B5EF4-FFF2-40B4-BE49-F238E27FC236}">
-                <a16:creationId xmlns:a16="http://schemas.microsoft.com/office/drawing/2014/main" id="{D33BE2DF-6D86-A125-A865-EAFFFC0CF918}"/>
+                <a16:creationId xmlns:a16="http://schemas.microsoft.com/office/drawing/2014/main" id="{C22F0445-6F2A-9594-771E-B733FE2F39D9}"/>
               </a:ext>
             </a:extLst>
           </p:cNvPr>
@@ -1933,7 +1933,7 @@
           <p:cNvPr id="3" name="日期占位符 2">
             <a:extLst>
               <a:ext uri="{FF2B5EF4-FFF2-40B4-BE49-F238E27FC236}">
-                <a16:creationId xmlns:a16="http://schemas.microsoft.com/office/drawing/2014/main" id="{52C06C40-D243-CADB-2D88-E0C15319FE7F}"/>
+                <a16:creationId xmlns:a16="http://schemas.microsoft.com/office/drawing/2014/main" id="{0D523052-3C27-B7F3-E189-6169B5A89350}"/>
               </a:ext>
             </a:extLst>
           </p:cNvPr>
@@ -1949,7 +1949,7 @@
           <a:bodyPr/>
           <a:lstStyle/>
           <a:p>
-            <a:fld id="{88552D5C-74DE-4D7B-81ED-C8BD6E2B7D79}" type="datetimeFigureOut">
+            <a:fld id="{38590781-1956-4C59-B54E-813887042B79}" type="datetimeFigureOut">
               <a:rPr lang="zh-CN" altLang="en-US" smtClean="0"/>
               <a:t>2024/3/10</a:t>
             </a:fld>
@@ -1962,7 +1962,7 @@
           <p:cNvPr id="4" name="页脚占位符 3">
             <a:extLst>
               <a:ext uri="{FF2B5EF4-FFF2-40B4-BE49-F238E27FC236}">
-                <a16:creationId xmlns:a16="http://schemas.microsoft.com/office/drawing/2014/main" id="{88F2E457-FF30-1320-2630-7B0F42FCF217}"/>
+                <a16:creationId xmlns:a16="http://schemas.microsoft.com/office/drawing/2014/main" id="{D9EEC21A-850F-B422-20A3-4815B844AE27}"/>
               </a:ext>
             </a:extLst>
           </p:cNvPr>
@@ -1987,7 +1987,7 @@
           <p:cNvPr id="5" name="灯片编号占位符 4">
             <a:extLst>
               <a:ext uri="{FF2B5EF4-FFF2-40B4-BE49-F238E27FC236}">
-                <a16:creationId xmlns:a16="http://schemas.microsoft.com/office/drawing/2014/main" id="{0FB688A8-96D0-D4CE-06A4-6A2B87ED4C3C}"/>
+                <a16:creationId xmlns:a16="http://schemas.microsoft.com/office/drawing/2014/main" id="{F8E2980D-134B-B41C-987F-FE9D857BFC18}"/>
               </a:ext>
             </a:extLst>
           </p:cNvPr>
@@ -2003,7 +2003,7 @@
           <a:bodyPr/>
           <a:lstStyle/>
           <a:p>
-            <a:fld id="{BC69AE8E-7DE5-4B2F-A10D-2EE032A0BE3E}" type="slidenum">
+            <a:fld id="{8EDCFAA8-FA09-40D5-B6BA-FF1167180AFC}" type="slidenum">
               <a:rPr lang="zh-CN" altLang="en-US" smtClean="0"/>
               <a:t>‹#›</a:t>
             </a:fld>
@@ -2014,7 +2014,7 @@
     </p:spTree>
     <p:extLst>
       <p:ext uri="{BB962C8B-B14F-4D97-AF65-F5344CB8AC3E}">
-        <p14:creationId xmlns:p14="http://schemas.microsoft.com/office/powerpoint/2010/main" val="3175127179"/>
+        <p14:creationId xmlns:p14="http://schemas.microsoft.com/office/powerpoint/2010/main" val="1963949673"/>
       </p:ext>
     </p:extLst>
   </p:cSld>
@@ -2046,7 +2046,7 @@
           <p:cNvPr id="2" name="日期占位符 1">
             <a:extLst>
               <a:ext uri="{FF2B5EF4-FFF2-40B4-BE49-F238E27FC236}">
-                <a16:creationId xmlns:a16="http://schemas.microsoft.com/office/drawing/2014/main" id="{7DEEFDD4-A820-80D7-F56F-5A3BE1C5F894}"/>
+                <a16:creationId xmlns:a16="http://schemas.microsoft.com/office/drawing/2014/main" id="{7264B32B-FC2F-87BF-6F2B-4C9B4D265730}"/>
               </a:ext>
             </a:extLst>
           </p:cNvPr>
@@ -2062,7 +2062,7 @@
           <a:bodyPr/>
           <a:lstStyle/>
           <a:p>
-            <a:fld id="{88552D5C-74DE-4D7B-81ED-C8BD6E2B7D79}" type="datetimeFigureOut">
+            <a:fld id="{38590781-1956-4C59-B54E-813887042B79}" type="datetimeFigureOut">
               <a:rPr lang="zh-CN" altLang="en-US" smtClean="0"/>
               <a:t>2024/3/10</a:t>
             </a:fld>
@@ -2075,7 +2075,7 @@
           <p:cNvPr id="3" name="页脚占位符 2">
             <a:extLst>
               <a:ext uri="{FF2B5EF4-FFF2-40B4-BE49-F238E27FC236}">
-                <a16:creationId xmlns:a16="http://schemas.microsoft.com/office/drawing/2014/main" id="{13BF07D9-8438-8A67-F3E9-8B74E35ADCAD}"/>
+                <a16:creationId xmlns:a16="http://schemas.microsoft.com/office/drawing/2014/main" id="{0BE8E0A7-0B1D-80A3-704C-5F33D80F099E}"/>
               </a:ext>
             </a:extLst>
           </p:cNvPr>
@@ -2100,7 +2100,7 @@
           <p:cNvPr id="4" name="灯片编号占位符 3">
             <a:extLst>
               <a:ext uri="{FF2B5EF4-FFF2-40B4-BE49-F238E27FC236}">
-                <a16:creationId xmlns:a16="http://schemas.microsoft.com/office/drawing/2014/main" id="{5C738EDF-9D64-6660-E415-317BBC7A040D}"/>
+                <a16:creationId xmlns:a16="http://schemas.microsoft.com/office/drawing/2014/main" id="{566240E5-B36A-A6C8-458B-084576510ED7}"/>
               </a:ext>
             </a:extLst>
           </p:cNvPr>
@@ -2116,7 +2116,7 @@
           <a:bodyPr/>
           <a:lstStyle/>
           <a:p>
-            <a:fld id="{BC69AE8E-7DE5-4B2F-A10D-2EE032A0BE3E}" type="slidenum">
+            <a:fld id="{8EDCFAA8-FA09-40D5-B6BA-FF1167180AFC}" type="slidenum">
               <a:rPr lang="zh-CN" altLang="en-US" smtClean="0"/>
               <a:t>‹#›</a:t>
             </a:fld>
@@ -2127,7 +2127,7 @@
     </p:spTree>
     <p:extLst>
       <p:ext uri="{BB962C8B-B14F-4D97-AF65-F5344CB8AC3E}">
-        <p14:creationId xmlns:p14="http://schemas.microsoft.com/office/powerpoint/2010/main" val="3855915275"/>
+        <p14:creationId xmlns:p14="http://schemas.microsoft.com/office/powerpoint/2010/main" val="1409344433"/>
       </p:ext>
     </p:extLst>
   </p:cSld>
@@ -2159,7 +2159,7 @@
           <p:cNvPr id="2" name="标题 1">
             <a:extLst>
               <a:ext uri="{FF2B5EF4-FFF2-40B4-BE49-F238E27FC236}">
-                <a16:creationId xmlns:a16="http://schemas.microsoft.com/office/drawing/2014/main" id="{6B4AA537-F3CF-0965-6E7A-FE62836A90BC}"/>
+                <a16:creationId xmlns:a16="http://schemas.microsoft.com/office/drawing/2014/main" id="{3ACF2BCA-ED17-E32B-6188-D339020A5490}"/>
               </a:ext>
             </a:extLst>
           </p:cNvPr>
@@ -2196,7 +2196,7 @@
           <p:cNvPr id="3" name="内容占位符 2">
             <a:extLst>
               <a:ext uri="{FF2B5EF4-FFF2-40B4-BE49-F238E27FC236}">
-                <a16:creationId xmlns:a16="http://schemas.microsoft.com/office/drawing/2014/main" id="{E8252E28-B010-4FB1-85C2-82D0909911B7}"/>
+                <a16:creationId xmlns:a16="http://schemas.microsoft.com/office/drawing/2014/main" id="{D5ABF26E-FAF6-3F2F-F48F-3F70F5071178}"/>
               </a:ext>
             </a:extLst>
           </p:cNvPr>
@@ -2286,7 +2286,7 @@
           <p:cNvPr id="4" name="文本占位符 3">
             <a:extLst>
               <a:ext uri="{FF2B5EF4-FFF2-40B4-BE49-F238E27FC236}">
-                <a16:creationId xmlns:a16="http://schemas.microsoft.com/office/drawing/2014/main" id="{1BB45C4C-3695-D846-A4D6-AFF6C3CD90D1}"/>
+                <a16:creationId xmlns:a16="http://schemas.microsoft.com/office/drawing/2014/main" id="{2FCE9C6B-102D-5AA8-B52F-B87F0546E9D9}"/>
               </a:ext>
             </a:extLst>
           </p:cNvPr>
@@ -2357,7 +2357,7 @@
           <p:cNvPr id="5" name="日期占位符 4">
             <a:extLst>
               <a:ext uri="{FF2B5EF4-FFF2-40B4-BE49-F238E27FC236}">
-                <a16:creationId xmlns:a16="http://schemas.microsoft.com/office/drawing/2014/main" id="{D42B4D75-E31A-2659-4710-33431E43B658}"/>
+                <a16:creationId xmlns:a16="http://schemas.microsoft.com/office/drawing/2014/main" id="{583B167F-D84A-D064-7E74-AA6D1535F399}"/>
               </a:ext>
             </a:extLst>
           </p:cNvPr>
@@ -2373,7 +2373,7 @@
           <a:bodyPr/>
           <a:lstStyle/>
           <a:p>
-            <a:fld id="{88552D5C-74DE-4D7B-81ED-C8BD6E2B7D79}" type="datetimeFigureOut">
+            <a:fld id="{38590781-1956-4C59-B54E-813887042B79}" type="datetimeFigureOut">
               <a:rPr lang="zh-CN" altLang="en-US" smtClean="0"/>
               <a:t>2024/3/10</a:t>
             </a:fld>
@@ -2386,7 +2386,7 @@
           <p:cNvPr id="6" name="页脚占位符 5">
             <a:extLst>
               <a:ext uri="{FF2B5EF4-FFF2-40B4-BE49-F238E27FC236}">
-                <a16:creationId xmlns:a16="http://schemas.microsoft.com/office/drawing/2014/main" id="{88E6867E-D9F0-C8CA-DB1A-1435C5BA3A15}"/>
+                <a16:creationId xmlns:a16="http://schemas.microsoft.com/office/drawing/2014/main" id="{2BE8CAFC-3828-9D64-36A4-C4CAF65F1F4D}"/>
               </a:ext>
             </a:extLst>
           </p:cNvPr>
@@ -2411,7 +2411,7 @@
           <p:cNvPr id="7" name="灯片编号占位符 6">
             <a:extLst>
               <a:ext uri="{FF2B5EF4-FFF2-40B4-BE49-F238E27FC236}">
-                <a16:creationId xmlns:a16="http://schemas.microsoft.com/office/drawing/2014/main" id="{43C33F1D-B816-11F9-1CE5-1670F6D8E0BB}"/>
+                <a16:creationId xmlns:a16="http://schemas.microsoft.com/office/drawing/2014/main" id="{079577C6-6D3B-5024-8815-C45F7C7AD6A3}"/>
               </a:ext>
             </a:extLst>
           </p:cNvPr>
@@ -2427,7 +2427,7 @@
           <a:bodyPr/>
           <a:lstStyle/>
           <a:p>
-            <a:fld id="{BC69AE8E-7DE5-4B2F-A10D-2EE032A0BE3E}" type="slidenum">
+            <a:fld id="{8EDCFAA8-FA09-40D5-B6BA-FF1167180AFC}" type="slidenum">
               <a:rPr lang="zh-CN" altLang="en-US" smtClean="0"/>
               <a:t>‹#›</a:t>
             </a:fld>
@@ -2438,7 +2438,7 @@
     </p:spTree>
     <p:extLst>
       <p:ext uri="{BB962C8B-B14F-4D97-AF65-F5344CB8AC3E}">
-        <p14:creationId xmlns:p14="http://schemas.microsoft.com/office/powerpoint/2010/main" val="2296621439"/>
+        <p14:creationId xmlns:p14="http://schemas.microsoft.com/office/powerpoint/2010/main" val="45966254"/>
       </p:ext>
     </p:extLst>
   </p:cSld>
@@ -2470,7 +2470,7 @@
           <p:cNvPr id="2" name="标题 1">
             <a:extLst>
               <a:ext uri="{FF2B5EF4-FFF2-40B4-BE49-F238E27FC236}">
-                <a16:creationId xmlns:a16="http://schemas.microsoft.com/office/drawing/2014/main" id="{8BF9D19C-B8B9-BA7D-1994-6ED6CC18BA5C}"/>
+                <a16:creationId xmlns:a16="http://schemas.microsoft.com/office/drawing/2014/main" id="{113D6542-0E48-A3C9-D33C-A3B628D46CAF}"/>
               </a:ext>
             </a:extLst>
           </p:cNvPr>
@@ -2507,7 +2507,7 @@
           <p:cNvPr id="3" name="图片占位符 2">
             <a:extLst>
               <a:ext uri="{FF2B5EF4-FFF2-40B4-BE49-F238E27FC236}">
-                <a16:creationId xmlns:a16="http://schemas.microsoft.com/office/drawing/2014/main" id="{72A08145-2527-3B42-3469-83673E390230}"/>
+                <a16:creationId xmlns:a16="http://schemas.microsoft.com/office/drawing/2014/main" id="{04513E4C-97C7-4D85-A301-F5FDD645C30F}"/>
               </a:ext>
             </a:extLst>
           </p:cNvPr>
@@ -2574,7 +2574,7 @@
           <p:cNvPr id="4" name="文本占位符 3">
             <a:extLst>
               <a:ext uri="{FF2B5EF4-FFF2-40B4-BE49-F238E27FC236}">
-                <a16:creationId xmlns:a16="http://schemas.microsoft.com/office/drawing/2014/main" id="{B5E2DE7F-F076-A00E-2092-F08239A203B8}"/>
+                <a16:creationId xmlns:a16="http://schemas.microsoft.com/office/drawing/2014/main" id="{8CA4E44D-BA40-29F5-108E-3D6DEA605CCD}"/>
               </a:ext>
             </a:extLst>
           </p:cNvPr>
@@ -2645,7 +2645,7 @@
           <p:cNvPr id="5" name="日期占位符 4">
             <a:extLst>
               <a:ext uri="{FF2B5EF4-FFF2-40B4-BE49-F238E27FC236}">
-                <a16:creationId xmlns:a16="http://schemas.microsoft.com/office/drawing/2014/main" id="{CAB7659F-BF0F-0415-8843-18E98BB06E7D}"/>
+                <a16:creationId xmlns:a16="http://schemas.microsoft.com/office/drawing/2014/main" id="{4652287C-5821-2A84-53E6-2C0ABD24B943}"/>
               </a:ext>
             </a:extLst>
           </p:cNvPr>
@@ -2661,7 +2661,7 @@
           <a:bodyPr/>
           <a:lstStyle/>
           <a:p>
-            <a:fld id="{88552D5C-74DE-4D7B-81ED-C8BD6E2B7D79}" type="datetimeFigureOut">
+            <a:fld id="{38590781-1956-4C59-B54E-813887042B79}" type="datetimeFigureOut">
               <a:rPr lang="zh-CN" altLang="en-US" smtClean="0"/>
               <a:t>2024/3/10</a:t>
             </a:fld>
@@ -2674,7 +2674,7 @@
           <p:cNvPr id="6" name="页脚占位符 5">
             <a:extLst>
               <a:ext uri="{FF2B5EF4-FFF2-40B4-BE49-F238E27FC236}">
-                <a16:creationId xmlns:a16="http://schemas.microsoft.com/office/drawing/2014/main" id="{41AC9F6C-036B-4A6A-FE1C-BBF6D3B376FB}"/>
+                <a16:creationId xmlns:a16="http://schemas.microsoft.com/office/drawing/2014/main" id="{275FE002-676C-9D97-8AE9-1D8FB14F23EB}"/>
               </a:ext>
             </a:extLst>
           </p:cNvPr>
@@ -2699,7 +2699,7 @@
           <p:cNvPr id="7" name="灯片编号占位符 6">
             <a:extLst>
               <a:ext uri="{FF2B5EF4-FFF2-40B4-BE49-F238E27FC236}">
-                <a16:creationId xmlns:a16="http://schemas.microsoft.com/office/drawing/2014/main" id="{DF2DA956-1724-545E-4AA9-DA558BBB9C92}"/>
+                <a16:creationId xmlns:a16="http://schemas.microsoft.com/office/drawing/2014/main" id="{9201E0A9-397D-1CF6-4A9F-D31DBB5D9B94}"/>
               </a:ext>
             </a:extLst>
           </p:cNvPr>
@@ -2715,7 +2715,7 @@
           <a:bodyPr/>
           <a:lstStyle/>
           <a:p>
-            <a:fld id="{BC69AE8E-7DE5-4B2F-A10D-2EE032A0BE3E}" type="slidenum">
+            <a:fld id="{8EDCFAA8-FA09-40D5-B6BA-FF1167180AFC}" type="slidenum">
               <a:rPr lang="zh-CN" altLang="en-US" smtClean="0"/>
               <a:t>‹#›</a:t>
             </a:fld>
@@ -2726,7 +2726,7 @@
     </p:spTree>
     <p:extLst>
       <p:ext uri="{BB962C8B-B14F-4D97-AF65-F5344CB8AC3E}">
-        <p14:creationId xmlns:p14="http://schemas.microsoft.com/office/powerpoint/2010/main" val="2705276311"/>
+        <p14:creationId xmlns:p14="http://schemas.microsoft.com/office/powerpoint/2010/main" val="3802791119"/>
       </p:ext>
     </p:extLst>
   </p:cSld>
@@ -2763,7 +2763,7 @@
           <p:cNvPr id="2" name="标题占位符 1">
             <a:extLst>
               <a:ext uri="{FF2B5EF4-FFF2-40B4-BE49-F238E27FC236}">
-                <a16:creationId xmlns:a16="http://schemas.microsoft.com/office/drawing/2014/main" id="{DB1EF3A8-BFFD-C44F-43C6-CB1D6FFF0B6D}"/>
+                <a16:creationId xmlns:a16="http://schemas.microsoft.com/office/drawing/2014/main" id="{B5AE0738-DE06-2574-6237-063C82527EFF}"/>
               </a:ext>
             </a:extLst>
           </p:cNvPr>
@@ -2801,7 +2801,7 @@
           <p:cNvPr id="3" name="文本占位符 2">
             <a:extLst>
               <a:ext uri="{FF2B5EF4-FFF2-40B4-BE49-F238E27FC236}">
-                <a16:creationId xmlns:a16="http://schemas.microsoft.com/office/drawing/2014/main" id="{E8271E6F-A82C-63AF-E209-99ABF9D6B08E}"/>
+                <a16:creationId xmlns:a16="http://schemas.microsoft.com/office/drawing/2014/main" id="{28A408CD-E282-204E-075A-4B03464842B3}"/>
               </a:ext>
             </a:extLst>
           </p:cNvPr>
@@ -2868,7 +2868,7 @@
           <p:cNvPr id="4" name="日期占位符 3">
             <a:extLst>
               <a:ext uri="{FF2B5EF4-FFF2-40B4-BE49-F238E27FC236}">
-                <a16:creationId xmlns:a16="http://schemas.microsoft.com/office/drawing/2014/main" id="{AA513AFD-F8D9-8CEA-1BE3-7ABED2A7B023}"/>
+                <a16:creationId xmlns:a16="http://schemas.microsoft.com/office/drawing/2014/main" id="{40FF0FD8-0DA8-416D-586B-98BC073302B4}"/>
               </a:ext>
             </a:extLst>
           </p:cNvPr>
@@ -2902,7 +2902,7 @@
             </a:lvl1pPr>
           </a:lstStyle>
           <a:p>
-            <a:fld id="{88552D5C-74DE-4D7B-81ED-C8BD6E2B7D79}" type="datetimeFigureOut">
+            <a:fld id="{38590781-1956-4C59-B54E-813887042B79}" type="datetimeFigureOut">
               <a:rPr lang="zh-CN" altLang="en-US" smtClean="0"/>
               <a:t>2024/3/10</a:t>
             </a:fld>
@@ -2915,7 +2915,7 @@
           <p:cNvPr id="5" name="页脚占位符 4">
             <a:extLst>
               <a:ext uri="{FF2B5EF4-FFF2-40B4-BE49-F238E27FC236}">
-                <a16:creationId xmlns:a16="http://schemas.microsoft.com/office/drawing/2014/main" id="{077A96E6-9B7D-3761-4832-C7D8890A6419}"/>
+                <a16:creationId xmlns:a16="http://schemas.microsoft.com/office/drawing/2014/main" id="{FFEF8342-64F3-FBBC-A676-ABEDA208A42D}"/>
               </a:ext>
             </a:extLst>
           </p:cNvPr>
@@ -2958,7 +2958,7 @@
           <p:cNvPr id="6" name="灯片编号占位符 5">
             <a:extLst>
               <a:ext uri="{FF2B5EF4-FFF2-40B4-BE49-F238E27FC236}">
-                <a16:creationId xmlns:a16="http://schemas.microsoft.com/office/drawing/2014/main" id="{307AF0D6-0963-E27A-26C1-B1C311BFB5E4}"/>
+                <a16:creationId xmlns:a16="http://schemas.microsoft.com/office/drawing/2014/main" id="{6A6D983E-2A09-2862-BA7E-0142085EEE29}"/>
               </a:ext>
             </a:extLst>
           </p:cNvPr>
@@ -2992,7 +2992,7 @@
             </a:lvl1pPr>
           </a:lstStyle>
           <a:p>
-            <a:fld id="{BC69AE8E-7DE5-4B2F-A10D-2EE032A0BE3E}" type="slidenum">
+            <a:fld id="{8EDCFAA8-FA09-40D5-B6BA-FF1167180AFC}" type="slidenum">
               <a:rPr lang="zh-CN" altLang="en-US" smtClean="0"/>
               <a:t>‹#›</a:t>
             </a:fld>
@@ -3003,7 +3003,7 @@
     </p:spTree>
     <p:extLst>
       <p:ext uri="{BB962C8B-B14F-4D97-AF65-F5344CB8AC3E}">
-        <p14:creationId xmlns:p14="http://schemas.microsoft.com/office/powerpoint/2010/main" val="755962869"/>
+        <p14:creationId xmlns:p14="http://schemas.microsoft.com/office/powerpoint/2010/main" val="4203757350"/>
       </p:ext>
     </p:extLst>
   </p:cSld>
